--- a/docs/Milestone 3/Milestone_3_Presentation.pptx
+++ b/docs/Milestone 3/Milestone_3_Presentation.pptx
@@ -110,6 +110,11 @@
       </a:defRPr>
     </a:lvl9pPr>
   </p:defaultTextStyle>
+  <p:extLst>
+    <p:ext uri="{EFAFB233-063F-42B5-8137-9DF3F51BA10A}">
+      <p15:sldGuideLst xmlns:p15="http://schemas.microsoft.com/office/powerpoint/2012/main"/>
+    </p:ext>
+  </p:extLst>
 </p:presentation>
 </file>
 
@@ -616,7 +621,7 @@
             <a:fld id="{B61BEF0D-F0BB-DE4B-95CE-6DB70DBA9567}" type="datetimeFigureOut">
               <a:rPr lang="en-US" dirty="0"/>
               <a:pPr/>
-              <a:t>4/22/17</a:t>
+              <a:t>4/23/17</a:t>
             </a:fld>
             <a:endParaRPr lang="en-US" dirty="0"/>
           </a:p>
@@ -909,7 +914,7 @@
             <a:fld id="{B61BEF0D-F0BB-DE4B-95CE-6DB70DBA9567}" type="datetimeFigureOut">
               <a:rPr lang="en-US" dirty="0"/>
               <a:pPr/>
-              <a:t>4/22/17</a:t>
+              <a:t>4/23/17</a:t>
             </a:fld>
             <a:endParaRPr lang="en-US" dirty="0"/>
           </a:p>
@@ -1154,7 +1159,7 @@
             <a:fld id="{B61BEF0D-F0BB-DE4B-95CE-6DB70DBA9567}" type="datetimeFigureOut">
               <a:rPr lang="en-US" dirty="0"/>
               <a:pPr/>
-              <a:t>4/22/17</a:t>
+              <a:t>4/23/17</a:t>
             </a:fld>
             <a:endParaRPr lang="en-US" dirty="0"/>
           </a:p>
@@ -1691,7 +1696,7 @@
             <a:fld id="{B61BEF0D-F0BB-DE4B-95CE-6DB70DBA9567}" type="datetimeFigureOut">
               <a:rPr lang="en-US" dirty="0"/>
               <a:pPr/>
-              <a:t>4/22/17</a:t>
+              <a:t>4/23/17</a:t>
             </a:fld>
             <a:endParaRPr lang="en-US" dirty="0"/>
           </a:p>
@@ -1936,7 +1941,7 @@
             <a:fld id="{B61BEF0D-F0BB-DE4B-95CE-6DB70DBA9567}" type="datetimeFigureOut">
               <a:rPr lang="en-US" dirty="0"/>
               <a:pPr/>
-              <a:t>4/22/17</a:t>
+              <a:t>4/23/17</a:t>
             </a:fld>
             <a:endParaRPr lang="en-US" dirty="0"/>
           </a:p>
@@ -2465,7 +2470,7 @@
             <a:fld id="{B61BEF0D-F0BB-DE4B-95CE-6DB70DBA9567}" type="datetimeFigureOut">
               <a:rPr lang="en-US" dirty="0"/>
               <a:pPr/>
-              <a:t>4/22/17</a:t>
+              <a:t>4/23/17</a:t>
             </a:fld>
             <a:endParaRPr lang="en-US" dirty="0"/>
           </a:p>
@@ -2759,7 +2764,7 @@
             <a:fld id="{B61BEF0D-F0BB-DE4B-95CE-6DB70DBA9567}" type="datetimeFigureOut">
               <a:rPr lang="en-US" dirty="0"/>
               <a:pPr/>
-              <a:t>4/22/17</a:t>
+              <a:t>4/23/17</a:t>
             </a:fld>
             <a:endParaRPr lang="en-US" dirty="0"/>
           </a:p>
@@ -2930,7 +2935,7 @@
             <a:fld id="{B61BEF0D-F0BB-DE4B-95CE-6DB70DBA9567}" type="datetimeFigureOut">
               <a:rPr lang="en-US" dirty="0"/>
               <a:pPr/>
-              <a:t>4/22/17</a:t>
+              <a:t>4/23/17</a:t>
             </a:fld>
             <a:endParaRPr lang="en-US" dirty="0"/>
           </a:p>
@@ -3107,7 +3112,7 @@
             <a:fld id="{B61BEF0D-F0BB-DE4B-95CE-6DB70DBA9567}" type="datetimeFigureOut">
               <a:rPr lang="en-US" dirty="0"/>
               <a:pPr/>
-              <a:t>4/22/17</a:t>
+              <a:t>4/23/17</a:t>
             </a:fld>
             <a:endParaRPr lang="en-US" dirty="0"/>
           </a:p>
@@ -3274,7 +3279,7 @@
             <a:fld id="{B61BEF0D-F0BB-DE4B-95CE-6DB70DBA9567}" type="datetimeFigureOut">
               <a:rPr lang="en-US" dirty="0"/>
               <a:pPr/>
-              <a:t>4/22/17</a:t>
+              <a:t>4/23/17</a:t>
             </a:fld>
             <a:endParaRPr lang="en-US" dirty="0"/>
           </a:p>
@@ -3522,7 +3527,7 @@
             <a:fld id="{B61BEF0D-F0BB-DE4B-95CE-6DB70DBA9567}" type="datetimeFigureOut">
               <a:rPr lang="en-US" dirty="0"/>
               <a:pPr/>
-              <a:t>4/22/17</a:t>
+              <a:t>4/23/17</a:t>
             </a:fld>
             <a:endParaRPr lang="en-US" dirty="0"/>
           </a:p>
@@ -3816,7 +3821,7 @@
             <a:fld id="{B61BEF0D-F0BB-DE4B-95CE-6DB70DBA9567}" type="datetimeFigureOut">
               <a:rPr lang="en-US" dirty="0"/>
               <a:pPr/>
-              <a:t>4/22/17</a:t>
+              <a:t>4/23/17</a:t>
             </a:fld>
             <a:endParaRPr lang="en-US" dirty="0"/>
           </a:p>
@@ -4255,7 +4260,7 @@
             <a:fld id="{B61BEF0D-F0BB-DE4B-95CE-6DB70DBA9567}" type="datetimeFigureOut">
               <a:rPr lang="en-US" dirty="0"/>
               <a:pPr/>
-              <a:t>4/22/17</a:t>
+              <a:t>4/23/17</a:t>
             </a:fld>
             <a:endParaRPr lang="en-US" dirty="0"/>
           </a:p>
@@ -4370,7 +4375,7 @@
             <a:fld id="{B61BEF0D-F0BB-DE4B-95CE-6DB70DBA9567}" type="datetimeFigureOut">
               <a:rPr lang="en-US" dirty="0"/>
               <a:pPr/>
-              <a:t>4/22/17</a:t>
+              <a:t>4/23/17</a:t>
             </a:fld>
             <a:endParaRPr lang="en-US" dirty="0"/>
           </a:p>
@@ -4462,7 +4467,7 @@
             <a:fld id="{B61BEF0D-F0BB-DE4B-95CE-6DB70DBA9567}" type="datetimeFigureOut">
               <a:rPr lang="en-US" dirty="0"/>
               <a:pPr/>
-              <a:t>4/22/17</a:t>
+              <a:t>4/23/17</a:t>
             </a:fld>
             <a:endParaRPr lang="en-US" dirty="0"/>
           </a:p>
@@ -4742,7 +4747,7 @@
             <a:fld id="{B61BEF0D-F0BB-DE4B-95CE-6DB70DBA9567}" type="datetimeFigureOut">
               <a:rPr lang="en-US" dirty="0"/>
               <a:pPr/>
-              <a:t>4/22/17</a:t>
+              <a:t>4/23/17</a:t>
             </a:fld>
             <a:endParaRPr lang="en-US" dirty="0"/>
           </a:p>
@@ -5030,7 +5035,7 @@
             <a:fld id="{B61BEF0D-F0BB-DE4B-95CE-6DB70DBA9567}" type="datetimeFigureOut">
               <a:rPr lang="en-US" dirty="0"/>
               <a:pPr/>
-              <a:t>4/22/17</a:t>
+              <a:t>4/23/17</a:t>
             </a:fld>
             <a:endParaRPr lang="en-US" dirty="0"/>
           </a:p>
@@ -5557,7 +5562,7 @@
             <a:fld id="{B61BEF0D-F0BB-DE4B-95CE-6DB70DBA9567}" type="datetimeFigureOut">
               <a:rPr lang="en-US" dirty="0"/>
               <a:pPr/>
-              <a:t>4/22/17</a:t>
+              <a:t>4/23/17</a:t>
             </a:fld>
             <a:endParaRPr lang="en-US" dirty="0"/>
           </a:p>
@@ -6450,7 +6455,9 @@
         </p:nvSpPr>
         <p:spPr/>
         <p:txBody>
-          <a:bodyPr/>
+          <a:bodyPr>
+            <a:normAutofit fontScale="85000" lnSpcReduction="20000"/>
+          </a:bodyPr>
           <a:lstStyle/>
           <a:p>
             <a:r>
@@ -6481,6 +6488,21 @@
           </a:p>
           <a:p>
             <a:r>
+              <a:rPr lang="en-US" dirty="0" smtClean="0"/>
+              <a:t>Number </a:t>
+            </a:r>
+            <a:r>
+              <a:rPr lang="en-US" dirty="0"/>
+              <a:t>of late ASRs </a:t>
+            </a:r>
+            <a:r>
+              <a:rPr lang="en-US" dirty="0" smtClean="0"/>
+              <a:t>submitted</a:t>
+            </a:r>
+            <a:endParaRPr lang="en-US" dirty="0" smtClean="0"/>
+          </a:p>
+          <a:p>
+            <a:r>
               <a:rPr lang="en-US" dirty="0"/>
               <a:t>Time between when unit was available and Tests B submission in </a:t>
             </a:r>
@@ -6492,7 +6514,32 @@
           <a:p>
             <a:r>
               <a:rPr lang="en-US" dirty="0"/>
-              <a:t>Number of late ASRs submitted</a:t>
+              <a:t>Time between when unit was available and </a:t>
+            </a:r>
+            <a:r>
+              <a:rPr lang="en-US" dirty="0" smtClean="0"/>
+              <a:t>Surveys </a:t>
+            </a:r>
+            <a:r>
+              <a:rPr lang="en-US" dirty="0"/>
+              <a:t>submission in </a:t>
+            </a:r>
+            <a:r>
+              <a:rPr lang="en-US" dirty="0" smtClean="0"/>
+              <a:t>days</a:t>
+            </a:r>
+            <a:endParaRPr lang="en-US" dirty="0" smtClean="0"/>
+          </a:p>
+          <a:p>
+            <a:r>
+              <a:rPr lang="en-US" dirty="0" smtClean="0"/>
+              <a:t>Duration time for ASR Units</a:t>
+            </a:r>
+          </a:p>
+          <a:p>
+            <a:r>
+              <a:rPr lang="en-US" dirty="0" smtClean="0"/>
+              <a:t>Duration time for Surveys</a:t>
             </a:r>
             <a:endParaRPr lang="en-US" dirty="0" smtClean="0"/>
           </a:p>
@@ -6711,6 +6758,18 @@
               <a:rPr lang="en-US" dirty="0" smtClean="0"/>
               <a:t>Average activity for each test </a:t>
             </a:r>
+            <a:endParaRPr lang="en-US" dirty="0" smtClean="0"/>
+          </a:p>
+          <a:p>
+            <a:r>
+              <a:rPr lang="en-US" dirty="0"/>
+              <a:t>How early does the student take Tests </a:t>
+            </a:r>
+            <a:r>
+              <a:rPr lang="en-US" dirty="0" smtClean="0"/>
+              <a:t>A</a:t>
+            </a:r>
+            <a:endParaRPr lang="en-US" dirty="0" smtClean="0"/>
           </a:p>
           <a:p>
             <a:endParaRPr lang="en-US" dirty="0"/>

--- a/docs/Milestone 3/Milestone_3_Presentation.pptx
+++ b/docs/Milestone 3/Milestone_3_Presentation.pptx
@@ -6456,7 +6456,7 @@
         <p:spPr/>
         <p:txBody>
           <a:bodyPr>
-            <a:normAutofit fontScale="85000" lnSpcReduction="20000"/>
+            <a:normAutofit fontScale="70000" lnSpcReduction="20000"/>
           </a:bodyPr>
           <a:lstStyle/>
           <a:p>
@@ -6499,7 +6499,6 @@
               <a:rPr lang="en-US" dirty="0" smtClean="0"/>
               <a:t>submitted</a:t>
             </a:r>
-            <a:endParaRPr lang="en-US" dirty="0" smtClean="0"/>
           </a:p>
           <a:p>
             <a:r>
@@ -6528,6 +6527,12 @@
               <a:rPr lang="en-US" dirty="0" smtClean="0"/>
               <a:t>days</a:t>
             </a:r>
+          </a:p>
+          <a:p>
+            <a:r>
+              <a:rPr lang="en-US" dirty="0" smtClean="0"/>
+              <a:t>Duration time for Final A</a:t>
+            </a:r>
             <a:endParaRPr lang="en-US" dirty="0" smtClean="0"/>
           </a:p>
           <a:p>
@@ -6541,7 +6546,6 @@
               <a:rPr lang="en-US" dirty="0" smtClean="0"/>
               <a:t>Duration time for Surveys</a:t>
             </a:r>
-            <a:endParaRPr lang="en-US" dirty="0" smtClean="0"/>
           </a:p>
           <a:p>
             <a:endParaRPr lang="en-US" dirty="0"/>
@@ -6758,7 +6762,6 @@
               <a:rPr lang="en-US" dirty="0" smtClean="0"/>
               <a:t>Average activity for each test </a:t>
             </a:r>
-            <a:endParaRPr lang="en-US" dirty="0" smtClean="0"/>
           </a:p>
           <a:p>
             <a:r>
@@ -6769,7 +6772,6 @@
               <a:rPr lang="en-US" dirty="0" smtClean="0"/>
               <a:t>A</a:t>
             </a:r>
-            <a:endParaRPr lang="en-US" dirty="0" smtClean="0"/>
           </a:p>
           <a:p>
             <a:endParaRPr lang="en-US" dirty="0"/>

--- a/docs/Milestone 3/Milestone_3_Presentation.pptx
+++ b/docs/Milestone 3/Milestone_3_Presentation.pptx
@@ -11,7 +11,9 @@
     <p:sldId id="259" r:id="rId5"/>
     <p:sldId id="260" r:id="rId6"/>
     <p:sldId id="261" r:id="rId7"/>
-    <p:sldId id="262" r:id="rId8"/>
+    <p:sldId id="264" r:id="rId8"/>
+    <p:sldId id="263" r:id="rId9"/>
+    <p:sldId id="262" r:id="rId10"/>
   </p:sldIdLst>
   <p:sldSz cx="12192000" cy="6858000"/>
   <p:notesSz cx="6858000" cy="9144000"/>
@@ -621,7 +623,7 @@
             <a:fld id="{B61BEF0D-F0BB-DE4B-95CE-6DB70DBA9567}" type="datetimeFigureOut">
               <a:rPr lang="en-US" dirty="0"/>
               <a:pPr/>
-              <a:t>4/23/17</a:t>
+              <a:t>4/24/17</a:t>
             </a:fld>
             <a:endParaRPr lang="en-US" dirty="0"/>
           </a:p>
@@ -914,7 +916,7 @@
             <a:fld id="{B61BEF0D-F0BB-DE4B-95CE-6DB70DBA9567}" type="datetimeFigureOut">
               <a:rPr lang="en-US" dirty="0"/>
               <a:pPr/>
-              <a:t>4/23/17</a:t>
+              <a:t>4/24/17</a:t>
             </a:fld>
             <a:endParaRPr lang="en-US" dirty="0"/>
           </a:p>
@@ -1159,7 +1161,7 @@
             <a:fld id="{B61BEF0D-F0BB-DE4B-95CE-6DB70DBA9567}" type="datetimeFigureOut">
               <a:rPr lang="en-US" dirty="0"/>
               <a:pPr/>
-              <a:t>4/23/17</a:t>
+              <a:t>4/24/17</a:t>
             </a:fld>
             <a:endParaRPr lang="en-US" dirty="0"/>
           </a:p>
@@ -1696,7 +1698,7 @@
             <a:fld id="{B61BEF0D-F0BB-DE4B-95CE-6DB70DBA9567}" type="datetimeFigureOut">
               <a:rPr lang="en-US" dirty="0"/>
               <a:pPr/>
-              <a:t>4/23/17</a:t>
+              <a:t>4/24/17</a:t>
             </a:fld>
             <a:endParaRPr lang="en-US" dirty="0"/>
           </a:p>
@@ -1941,7 +1943,7 @@
             <a:fld id="{B61BEF0D-F0BB-DE4B-95CE-6DB70DBA9567}" type="datetimeFigureOut">
               <a:rPr lang="en-US" dirty="0"/>
               <a:pPr/>
-              <a:t>4/23/17</a:t>
+              <a:t>4/24/17</a:t>
             </a:fld>
             <a:endParaRPr lang="en-US" dirty="0"/>
           </a:p>
@@ -2470,7 +2472,7 @@
             <a:fld id="{B61BEF0D-F0BB-DE4B-95CE-6DB70DBA9567}" type="datetimeFigureOut">
               <a:rPr lang="en-US" dirty="0"/>
               <a:pPr/>
-              <a:t>4/23/17</a:t>
+              <a:t>4/24/17</a:t>
             </a:fld>
             <a:endParaRPr lang="en-US" dirty="0"/>
           </a:p>
@@ -2764,7 +2766,7 @@
             <a:fld id="{B61BEF0D-F0BB-DE4B-95CE-6DB70DBA9567}" type="datetimeFigureOut">
               <a:rPr lang="en-US" dirty="0"/>
               <a:pPr/>
-              <a:t>4/23/17</a:t>
+              <a:t>4/24/17</a:t>
             </a:fld>
             <a:endParaRPr lang="en-US" dirty="0"/>
           </a:p>
@@ -2935,7 +2937,7 @@
             <a:fld id="{B61BEF0D-F0BB-DE4B-95CE-6DB70DBA9567}" type="datetimeFigureOut">
               <a:rPr lang="en-US" dirty="0"/>
               <a:pPr/>
-              <a:t>4/23/17</a:t>
+              <a:t>4/24/17</a:t>
             </a:fld>
             <a:endParaRPr lang="en-US" dirty="0"/>
           </a:p>
@@ -3112,7 +3114,7 @@
             <a:fld id="{B61BEF0D-F0BB-DE4B-95CE-6DB70DBA9567}" type="datetimeFigureOut">
               <a:rPr lang="en-US" dirty="0"/>
               <a:pPr/>
-              <a:t>4/23/17</a:t>
+              <a:t>4/24/17</a:t>
             </a:fld>
             <a:endParaRPr lang="en-US" dirty="0"/>
           </a:p>
@@ -3279,7 +3281,7 @@
             <a:fld id="{B61BEF0D-F0BB-DE4B-95CE-6DB70DBA9567}" type="datetimeFigureOut">
               <a:rPr lang="en-US" dirty="0"/>
               <a:pPr/>
-              <a:t>4/23/17</a:t>
+              <a:t>4/24/17</a:t>
             </a:fld>
             <a:endParaRPr lang="en-US" dirty="0"/>
           </a:p>
@@ -3527,7 +3529,7 @@
             <a:fld id="{B61BEF0D-F0BB-DE4B-95CE-6DB70DBA9567}" type="datetimeFigureOut">
               <a:rPr lang="en-US" dirty="0"/>
               <a:pPr/>
-              <a:t>4/23/17</a:t>
+              <a:t>4/24/17</a:t>
             </a:fld>
             <a:endParaRPr lang="en-US" dirty="0"/>
           </a:p>
@@ -3821,7 +3823,7 @@
             <a:fld id="{B61BEF0D-F0BB-DE4B-95CE-6DB70DBA9567}" type="datetimeFigureOut">
               <a:rPr lang="en-US" dirty="0"/>
               <a:pPr/>
-              <a:t>4/23/17</a:t>
+              <a:t>4/24/17</a:t>
             </a:fld>
             <a:endParaRPr lang="en-US" dirty="0"/>
           </a:p>
@@ -4260,7 +4262,7 @@
             <a:fld id="{B61BEF0D-F0BB-DE4B-95CE-6DB70DBA9567}" type="datetimeFigureOut">
               <a:rPr lang="en-US" dirty="0"/>
               <a:pPr/>
-              <a:t>4/23/17</a:t>
+              <a:t>4/24/17</a:t>
             </a:fld>
             <a:endParaRPr lang="en-US" dirty="0"/>
           </a:p>
@@ -4375,7 +4377,7 @@
             <a:fld id="{B61BEF0D-F0BB-DE4B-95CE-6DB70DBA9567}" type="datetimeFigureOut">
               <a:rPr lang="en-US" dirty="0"/>
               <a:pPr/>
-              <a:t>4/23/17</a:t>
+              <a:t>4/24/17</a:t>
             </a:fld>
             <a:endParaRPr lang="en-US" dirty="0"/>
           </a:p>
@@ -4467,7 +4469,7 @@
             <a:fld id="{B61BEF0D-F0BB-DE4B-95CE-6DB70DBA9567}" type="datetimeFigureOut">
               <a:rPr lang="en-US" dirty="0"/>
               <a:pPr/>
-              <a:t>4/23/17</a:t>
+              <a:t>4/24/17</a:t>
             </a:fld>
             <a:endParaRPr lang="en-US" dirty="0"/>
           </a:p>
@@ -4747,7 +4749,7 @@
             <a:fld id="{B61BEF0D-F0BB-DE4B-95CE-6DB70DBA9567}" type="datetimeFigureOut">
               <a:rPr lang="en-US" dirty="0"/>
               <a:pPr/>
-              <a:t>4/23/17</a:t>
+              <a:t>4/24/17</a:t>
             </a:fld>
             <a:endParaRPr lang="en-US" dirty="0"/>
           </a:p>
@@ -5035,7 +5037,7 @@
             <a:fld id="{B61BEF0D-F0BB-DE4B-95CE-6DB70DBA9567}" type="datetimeFigureOut">
               <a:rPr lang="en-US" dirty="0"/>
               <a:pPr/>
-              <a:t>4/23/17</a:t>
+              <a:t>4/24/17</a:t>
             </a:fld>
             <a:endParaRPr lang="en-US" dirty="0"/>
           </a:p>
@@ -5562,7 +5564,7 @@
             <a:fld id="{B61BEF0D-F0BB-DE4B-95CE-6DB70DBA9567}" type="datetimeFigureOut">
               <a:rPr lang="en-US" dirty="0"/>
               <a:pPr/>
-              <a:t>4/23/17</a:t>
+              <a:t>4/24/17</a:t>
             </a:fld>
             <a:endParaRPr lang="en-US" dirty="0"/>
           </a:p>
@@ -6252,26 +6254,22 @@
           <a:p>
             <a:r>
               <a:rPr lang="en-US" dirty="0" smtClean="0"/>
-              <a:t>Finish extracting behaviors.</a:t>
+              <a:t>Extracted +22 behaviors.</a:t>
             </a:r>
           </a:p>
           <a:p>
             <a:r>
               <a:rPr lang="en-US" dirty="0" smtClean="0"/>
-              <a:t>Program to merge and format data.</a:t>
+              <a:t>Merge and format extracted data for data mining</a:t>
             </a:r>
           </a:p>
           <a:p>
             <a:r>
               <a:rPr lang="en-US" dirty="0" smtClean="0"/>
-              <a:t>Compile Information.</a:t>
-            </a:r>
-          </a:p>
-          <a:p>
-            <a:r>
-              <a:rPr lang="en-US" dirty="0" smtClean="0"/>
-              <a:t>Change behaviors extracting with the number of weeks as parameter. </a:t>
-            </a:r>
+              <a:t>Change implementation to have time as a parameter</a:t>
+            </a:r>
+          </a:p>
+          <a:p>
             <a:endParaRPr lang="en-US" dirty="0"/>
           </a:p>
         </p:txBody>
@@ -6323,7 +6321,15 @@
           <a:p>
             <a:r>
               <a:rPr lang="en-US" dirty="0" smtClean="0"/>
-              <a:t>Behaviors extracted by </a:t>
+              <a:t>Behaviors </a:t>
+            </a:r>
+            <a:r>
+              <a:rPr lang="en-US" dirty="0"/>
+              <a:t>-</a:t>
+            </a:r>
+            <a:r>
+              <a:rPr lang="en-US" dirty="0" smtClean="0"/>
+              <a:t> </a:t>
             </a:r>
             <a:r>
               <a:rPr lang="en-US" dirty="0" err="1" smtClean="0"/>
@@ -6437,7 +6443,7 @@
           <a:p>
             <a:r>
               <a:rPr lang="en-US" dirty="0" smtClean="0"/>
-              <a:t>Behaviors by Yaqeen</a:t>
+              <a:t>Behaviors - Yaqeen</a:t>
             </a:r>
             <a:endParaRPr lang="en-US" dirty="0"/>
           </a:p>
@@ -6533,7 +6539,6 @@
               <a:rPr lang="en-US" dirty="0" smtClean="0"/>
               <a:t>Duration time for Final A</a:t>
             </a:r>
-            <a:endParaRPr lang="en-US" dirty="0" smtClean="0"/>
           </a:p>
           <a:p>
             <a:r>
@@ -6599,11 +6604,11 @@
           <a:p>
             <a:r>
               <a:rPr lang="en-US" dirty="0" smtClean="0"/>
-              <a:t>Behaviors by </a:t>
+              <a:t>Behaviors - </a:t>
             </a:r>
             <a:r>
               <a:rPr lang="en-US" dirty="0" err="1" smtClean="0"/>
-              <a:t>Sheryas</a:t>
+              <a:t>Shreyas</a:t>
             </a:r>
             <a:endParaRPr lang="en-US" dirty="0"/>
           </a:p>
@@ -6701,7 +6706,7 @@
           <a:p>
             <a:r>
               <a:rPr lang="en-US" dirty="0" smtClean="0"/>
-              <a:t>Behaviors by Mohammed</a:t>
+              <a:t>Behaviors - Mohammed</a:t>
             </a:r>
             <a:endParaRPr lang="en-US" dirty="0"/>
           </a:p>
@@ -6792,6 +6797,243 @@
 </file>
 
 <file path=ppt/slides/slide7.xml><?xml version="1.0" encoding="utf-8"?>
+<p:sld xmlns:a="http://schemas.openxmlformats.org/drawingml/2006/main" xmlns:r="http://schemas.openxmlformats.org/officeDocument/2006/relationships" xmlns:p="http://schemas.openxmlformats.org/presentationml/2006/main">
+  <p:cSld>
+    <p:spTree>
+      <p:nvGrpSpPr>
+        <p:cNvPr id="1" name=""/>
+        <p:cNvGrpSpPr/>
+        <p:nvPr/>
+      </p:nvGrpSpPr>
+      <p:grpSpPr>
+        <a:xfrm>
+          <a:off x="0" y="0"/>
+          <a:ext cx="0" cy="0"/>
+          <a:chOff x="0" y="0"/>
+          <a:chExt cx="0" cy="0"/>
+        </a:xfrm>
+      </p:grpSpPr>
+      <p:sp>
+        <p:nvSpPr>
+          <p:cNvPr id="2" name="Title 1"/>
+          <p:cNvSpPr>
+            <a:spLocks noGrp="1"/>
+          </p:cNvSpPr>
+          <p:nvPr>
+            <p:ph type="title"/>
+          </p:nvPr>
+        </p:nvSpPr>
+        <p:spPr/>
+        <p:txBody>
+          <a:bodyPr/>
+          <a:lstStyle/>
+          <a:p>
+            <a:r>
+              <a:rPr lang="en-US" dirty="0" smtClean="0"/>
+              <a:t>Merge and format</a:t>
+            </a:r>
+            <a:endParaRPr lang="en-US" dirty="0"/>
+          </a:p>
+        </p:txBody>
+      </p:sp>
+      <p:pic>
+        <p:nvPicPr>
+          <p:cNvPr id="5" name="Content Placeholder 4"/>
+          <p:cNvPicPr>
+            <a:picLocks noGrp="1" noChangeAspect="1"/>
+          </p:cNvPicPr>
+          <p:nvPr>
+            <p:ph idx="1"/>
+          </p:nvPr>
+        </p:nvPicPr>
+        <p:blipFill>
+          <a:blip r:embed="rId2">
+            <a:extLst>
+              <a:ext uri="{28A0092B-C50C-407E-A947-70E740481C1C}">
+                <a14:useLocalDpi xmlns:a14="http://schemas.microsoft.com/office/drawing/2010/main" val="0"/>
+              </a:ext>
+            </a:extLst>
+          </a:blip>
+          <a:stretch>
+            <a:fillRect/>
+          </a:stretch>
+        </p:blipFill>
+        <p:spPr>
+          <a:xfrm>
+            <a:off x="3579017" y="2146300"/>
+            <a:ext cx="5829300" cy="1079500"/>
+          </a:xfrm>
+        </p:spPr>
+      </p:pic>
+      <p:sp>
+        <p:nvSpPr>
+          <p:cNvPr id="8" name="TextBox 7"/>
+          <p:cNvSpPr txBox="1"/>
+          <p:nvPr/>
+        </p:nvSpPr>
+        <p:spPr>
+          <a:xfrm>
+            <a:off x="3581449" y="3754328"/>
+            <a:ext cx="5662563" cy="1200329"/>
+          </a:xfrm>
+          <a:prstGeom prst="rect">
+            <a:avLst/>
+          </a:prstGeom>
+          <a:noFill/>
+        </p:spPr>
+        <p:txBody>
+          <a:bodyPr wrap="square" rtlCol="0">
+            <a:spAutoFit/>
+          </a:bodyPr>
+          <a:lstStyle/>
+          <a:p>
+            <a:pPr marL="285750" indent="-285750">
+              <a:buFont typeface="Arial" charset="0"/>
+              <a:buChar char="•"/>
+            </a:pPr>
+            <a:r>
+              <a:rPr lang="en-US" dirty="0" smtClean="0"/>
+              <a:t>Compile all the data in one place</a:t>
+            </a:r>
+          </a:p>
+          <a:p>
+            <a:pPr marL="285750" indent="-285750">
+              <a:buFont typeface="Arial" charset="0"/>
+              <a:buChar char="•"/>
+            </a:pPr>
+            <a:r>
+              <a:rPr lang="en-US" dirty="0" smtClean="0"/>
+              <a:t>This file is ready for the next step of the program</a:t>
+            </a:r>
+          </a:p>
+          <a:p>
+            <a:pPr marL="742950" lvl="1" indent="-285750">
+              <a:buFont typeface="Arial" charset="0"/>
+              <a:buChar char="•"/>
+            </a:pPr>
+            <a:r>
+              <a:rPr lang="en-US" dirty="0" smtClean="0"/>
+              <a:t>X </a:t>
+            </a:r>
+            <a:r>
+              <a:rPr lang="mr-IN" dirty="0" smtClean="0"/>
+              <a:t>–</a:t>
+            </a:r>
+            <a:r>
+              <a:rPr lang="en-US" dirty="0" smtClean="0"/>
+              <a:t> Behaviors</a:t>
+            </a:r>
+          </a:p>
+          <a:p>
+            <a:pPr marL="742950" lvl="1" indent="-285750">
+              <a:buFont typeface="Arial" charset="0"/>
+              <a:buChar char="•"/>
+            </a:pPr>
+            <a:r>
+              <a:rPr lang="en-US" dirty="0" smtClean="0"/>
+              <a:t>Y - Grades</a:t>
+            </a:r>
+            <a:endParaRPr lang="en-US" dirty="0"/>
+          </a:p>
+        </p:txBody>
+      </p:sp>
+    </p:spTree>
+    <p:extLst>
+      <p:ext uri="{BB962C8B-B14F-4D97-AF65-F5344CB8AC3E}">
+        <p14:creationId xmlns:p14="http://schemas.microsoft.com/office/powerpoint/2010/main" val="1028101748"/>
+      </p:ext>
+    </p:extLst>
+  </p:cSld>
+  <p:clrMapOvr>
+    <a:masterClrMapping/>
+  </p:clrMapOvr>
+</p:sld>
+</file>
+
+<file path=ppt/slides/slide8.xml><?xml version="1.0" encoding="utf-8"?>
+<p:sld xmlns:a="http://schemas.openxmlformats.org/drawingml/2006/main" xmlns:r="http://schemas.openxmlformats.org/officeDocument/2006/relationships" xmlns:p="http://schemas.openxmlformats.org/presentationml/2006/main">
+  <p:cSld>
+    <p:spTree>
+      <p:nvGrpSpPr>
+        <p:cNvPr id="1" name=""/>
+        <p:cNvGrpSpPr/>
+        <p:nvPr/>
+      </p:nvGrpSpPr>
+      <p:grpSpPr>
+        <a:xfrm>
+          <a:off x="0" y="0"/>
+          <a:ext cx="0" cy="0"/>
+          <a:chOff x="0" y="0"/>
+          <a:chExt cx="0" cy="0"/>
+        </a:xfrm>
+      </p:grpSpPr>
+      <p:sp>
+        <p:nvSpPr>
+          <p:cNvPr id="2" name="Title 1"/>
+          <p:cNvSpPr>
+            <a:spLocks noGrp="1"/>
+          </p:cNvSpPr>
+          <p:nvPr>
+            <p:ph type="title"/>
+          </p:nvPr>
+        </p:nvSpPr>
+        <p:spPr/>
+        <p:txBody>
+          <a:bodyPr/>
+          <a:lstStyle/>
+          <a:p>
+            <a:r>
+              <a:rPr lang="en-US" dirty="0" smtClean="0"/>
+              <a:t>Implementation with time as a parameter</a:t>
+            </a:r>
+            <a:endParaRPr lang="en-US" dirty="0"/>
+          </a:p>
+        </p:txBody>
+      </p:sp>
+      <p:sp>
+        <p:nvSpPr>
+          <p:cNvPr id="3" name="Content Placeholder 2"/>
+          <p:cNvSpPr>
+            <a:spLocks noGrp="1"/>
+          </p:cNvSpPr>
+          <p:nvPr>
+            <p:ph idx="1"/>
+          </p:nvPr>
+        </p:nvSpPr>
+        <p:spPr>
+          <a:xfrm>
+            <a:off x="1484311" y="2095499"/>
+            <a:ext cx="10018713" cy="3124201"/>
+          </a:xfrm>
+        </p:spPr>
+        <p:txBody>
+          <a:bodyPr/>
+          <a:lstStyle/>
+          <a:p>
+            <a:r>
+              <a:rPr lang="en-US" dirty="0" smtClean="0"/>
+              <a:t>Provide Recommendations when they are actually useful i.e. middle of the semester</a:t>
+            </a:r>
+          </a:p>
+          <a:p>
+            <a:endParaRPr lang="en-US" dirty="0"/>
+          </a:p>
+        </p:txBody>
+      </p:sp>
+    </p:spTree>
+    <p:extLst>
+      <p:ext uri="{BB962C8B-B14F-4D97-AF65-F5344CB8AC3E}">
+        <p14:creationId xmlns:p14="http://schemas.microsoft.com/office/powerpoint/2010/main" val="1451070725"/>
+      </p:ext>
+    </p:extLst>
+  </p:cSld>
+  <p:clrMapOvr>
+    <a:masterClrMapping/>
+  </p:clrMapOvr>
+</p:sld>
+</file>
+
+<file path=ppt/slides/slide9.xml><?xml version="1.0" encoding="utf-8"?>
 <p:sld xmlns:a="http://schemas.openxmlformats.org/drawingml/2006/main" xmlns:r="http://schemas.openxmlformats.org/officeDocument/2006/relationships" xmlns:p="http://schemas.openxmlformats.org/presentationml/2006/main">
   <p:cSld>
     <p:spTree>
